--- a/Figures/PowerPoint/window-spec1.pptx
+++ b/Figures/PowerPoint/window-spec1.pptx
@@ -63,7 +63,7 @@
         <p:txBody>
           <a:bodyPr/>
           <a:p>
-            <a:fld id="{E61738AA-CB9F-462A-B780-DB1D3A659B30}" type="slidenum">
+            <a:fld id="{F4390361-F039-4699-A631-40CA8EEFA871}" type="slidenum">
               <a:t>&lt;#&gt;</a:t>
             </a:fld>
           </a:p>
@@ -272,7 +272,7 @@
         <p:txBody>
           <a:bodyPr/>
           <a:p>
-            <a:fld id="{295F78D0-3428-4EA2-90B3-40964D4C9A04}" type="slidenum">
+            <a:fld id="{C36100D1-CD98-4F0B-ABC7-0760E9C6D0F3}" type="slidenum">
               <a:t>&lt;#&gt;</a:t>
             </a:fld>
           </a:p>
@@ -567,7 +567,7 @@
         <p:txBody>
           <a:bodyPr/>
           <a:p>
-            <a:fld id="{7E453E6C-49DB-4698-AE5D-BAEA0FFD27AE}" type="slidenum">
+            <a:fld id="{61F9B76A-3F9F-4161-BE59-6134AD8FA70B}" type="slidenum">
               <a:t>&lt;#&gt;</a:t>
             </a:fld>
           </a:p>
@@ -948,7 +948,7 @@
         <p:txBody>
           <a:bodyPr/>
           <a:p>
-            <a:fld id="{C989BE8D-F9D5-40C3-BBA0-4D92FB14406C}" type="slidenum">
+            <a:fld id="{F8026A02-567C-4820-87C4-B6C3BDFD90ED}" type="slidenum">
               <a:t>&lt;#&gt;</a:t>
             </a:fld>
           </a:p>
@@ -1111,7 +1111,7 @@
         <p:txBody>
           <a:bodyPr/>
           <a:p>
-            <a:fld id="{79D54EB2-EB3B-47E9-B739-146854123DC1}" type="slidenum">
+            <a:fld id="{C735222A-C1F9-424D-AA80-50284F9758A7}" type="slidenum">
               <a:t>&lt;#&gt;</a:t>
             </a:fld>
           </a:p>
@@ -1277,7 +1277,7 @@
         <p:txBody>
           <a:bodyPr/>
           <a:p>
-            <a:fld id="{3E0C6EEF-DB6C-434D-84AE-45E7BB64FFB8}" type="slidenum">
+            <a:fld id="{D814D0A1-2C0E-4D8E-A28A-BAE20F9E8276}" type="slidenum">
               <a:t>&lt;#&gt;</a:t>
             </a:fld>
           </a:p>
@@ -1486,7 +1486,7 @@
         <p:txBody>
           <a:bodyPr/>
           <a:p>
-            <a:fld id="{6E2A2624-4534-445B-B58A-38131860315D}" type="slidenum">
+            <a:fld id="{748A9D5A-676B-4E0C-BBB1-874B3F75912E}" type="slidenum">
               <a:t>&lt;#&gt;</a:t>
             </a:fld>
           </a:p>
@@ -1609,7 +1609,7 @@
         <p:txBody>
           <a:bodyPr/>
           <a:p>
-            <a:fld id="{7D0A6817-065A-477A-B1DD-F6BEA1D97227}" type="slidenum">
+            <a:fld id="{6868E15E-4A98-4080-B99D-B30782593E91}" type="slidenum">
               <a:t>&lt;#&gt;</a:t>
             </a:fld>
           </a:p>
@@ -1730,7 +1730,7 @@
         <p:txBody>
           <a:bodyPr/>
           <a:p>
-            <a:fld id="{3A676BFB-128E-4167-AF5B-7D98255366DA}" type="slidenum">
+            <a:fld id="{2356077A-7402-4487-8754-67A9193C2904}" type="slidenum">
               <a:t>&lt;#&gt;</a:t>
             </a:fld>
           </a:p>
@@ -1982,7 +1982,7 @@
         <p:txBody>
           <a:bodyPr/>
           <a:p>
-            <a:fld id="{4EBBBE15-53BD-49C8-AC7E-4A1E6B34C294}" type="slidenum">
+            <a:fld id="{E57280CB-FF3C-403D-83E1-F7A305749011}" type="slidenum">
               <a:t>&lt;#&gt;</a:t>
             </a:fld>
           </a:p>
@@ -2234,7 +2234,7 @@
         <p:txBody>
           <a:bodyPr/>
           <a:p>
-            <a:fld id="{18F9B548-9253-40D8-9FA8-36E64ABB7DC4}" type="slidenum">
+            <a:fld id="{0690510C-72BA-4DC0-BD38-6B2E72AD27F0}" type="slidenum">
               <a:t>&lt;#&gt;</a:t>
             </a:fld>
           </a:p>
@@ -2486,7 +2486,7 @@
         <p:txBody>
           <a:bodyPr/>
           <a:p>
-            <a:fld id="{0514BD1C-3936-4B81-9F54-A8D15735D0C1}" type="slidenum">
+            <a:fld id="{7D8A7913-4E84-460E-AB6A-9D9478A71896}" type="slidenum">
               <a:t>&lt;#&gt;</a:t>
             </a:fld>
           </a:p>
@@ -2548,7 +2548,7 @@
         <p:spPr>
           <a:xfrm>
             <a:off x="3447360" y="5165280"/>
-            <a:ext cx="3193920" cy="389520"/>
+            <a:ext cx="3193560" cy="389160"/>
           </a:xfrm>
           <a:prstGeom prst="rect">
             <a:avLst/>
@@ -2620,7 +2620,7 @@
         <p:spPr>
           <a:xfrm>
             <a:off x="7227360" y="5165280"/>
-            <a:ext cx="2347200" cy="389520"/>
+            <a:ext cx="2346840" cy="389160"/>
           </a:xfrm>
           <a:prstGeom prst="rect">
             <a:avLst/>
@@ -2661,7 +2661,7 @@
                 <a:tab algn="l" pos="0"/>
               </a:tabLst>
             </a:pPr>
-            <a:fld id="{521BE11D-5204-4E5C-BB53-175010F37F86}" type="slidenum">
+            <a:fld id="{CF50C33B-7F1F-4290-A87C-A537957B597B}" type="slidenum">
               <a:rPr b="0" lang="pt-BR" sz="1400" spc="-1" strike="noStrike">
                 <a:solidFill>
                   <a:srgbClr val="000000"/>
@@ -2692,7 +2692,7 @@
         <p:spPr>
           <a:xfrm>
             <a:off x="504000" y="5165280"/>
-            <a:ext cx="2347200" cy="389520"/>
+            <a:ext cx="2346840" cy="389160"/>
           </a:xfrm>
           <a:prstGeom prst="rect">
             <a:avLst/>
@@ -3119,9 +3119,8 @@
                       </a:solidFill>
                       <a:prstDash val="solid"/>
                     </a:lnT>
-                    <a:lnB w="12240">
+                    <a:lnB>
                       <a:noFill/>
-                      <a:prstDash val="solid"/>
                     </a:lnB>
                     <a:noFill/>
                   </a:tcPr>
@@ -3425,9 +3424,8 @@
                     </a:p>
                   </a:txBody>
                   <a:tcPr anchor="t" marL="36000" marR="36000">
-                    <a:lnL w="12240">
+                    <a:lnL>
                       <a:noFill/>
-                      <a:prstDash val="solid"/>
                     </a:lnL>
                     <a:lnR w="7200">
                       <a:solidFill>
@@ -3659,9 +3657,8 @@
                     </a:p>
                   </a:txBody>
                   <a:tcPr anchor="t" marL="36000" marR="36000">
-                    <a:lnL w="12240">
+                    <a:lnL>
                       <a:noFill/>
-                      <a:prstDash val="solid"/>
                     </a:lnL>
                     <a:lnR w="7200">
                       <a:solidFill>
@@ -3867,11 +3864,8 @@
                       </a:solidFill>
                       <a:prstDash val="solid"/>
                     </a:lnT>
-                    <a:lnB w="7200">
-                      <a:solidFill>
-                        <a:srgbClr val="000000"/>
-                      </a:solidFill>
-                      <a:prstDash val="solid"/>
+                    <a:lnB>
+                      <a:noFill/>
                     </a:lnB>
                     <a:solidFill>
                       <a:srgbClr val="ffff00"/>
@@ -3893,9 +3887,8 @@
                     </a:p>
                   </a:txBody>
                   <a:tcPr anchor="t" marL="36000" marR="36000">
-                    <a:lnL w="12240">
+                    <a:lnL>
                       <a:noFill/>
-                      <a:prstDash val="solid"/>
                     </a:lnL>
                     <a:lnR w="7200">
                       <a:solidFill>
@@ -4095,8 +4088,10 @@
                       </a:solidFill>
                       <a:prstDash val="solid"/>
                     </a:lnR>
-                    <a:lnT w="12240">
-                      <a:noFill/>
+                    <a:lnT w="7200">
+                      <a:solidFill>
+                        <a:srgbClr val="000000"/>
+                      </a:solidFill>
                       <a:prstDash val="solid"/>
                     </a:lnT>
                     <a:lnB w="7200">
@@ -4125,9 +4120,8 @@
                     </a:p>
                   </a:txBody>
                   <a:tcPr anchor="t" marL="36000" marR="36000">
-                    <a:lnL w="12240">
+                    <a:lnL>
                       <a:noFill/>
-                      <a:prstDash val="solid"/>
                     </a:lnL>
                     <a:lnR w="7200">
                       <a:solidFill>
@@ -4325,11 +4319,8 @@
                       </a:solidFill>
                       <a:prstDash val="solid"/>
                     </a:lnT>
-                    <a:lnB w="7200">
-                      <a:solidFill>
-                        <a:srgbClr val="000000"/>
-                      </a:solidFill>
-                      <a:prstDash val="solid"/>
+                    <a:lnB>
+                      <a:noFill/>
                     </a:lnB>
                     <a:solidFill>
                       <a:srgbClr val="ff8000"/>
@@ -4351,9 +4342,8 @@
                     </a:p>
                   </a:txBody>
                   <a:tcPr anchor="t" marL="36000" marR="36000">
-                    <a:lnL w="12240">
+                    <a:lnL>
                       <a:noFill/>
-                      <a:prstDash val="solid"/>
                     </a:lnL>
                     <a:lnR w="7200">
                       <a:solidFill>
@@ -4553,8 +4543,10 @@
                       </a:solidFill>
                       <a:prstDash val="solid"/>
                     </a:lnR>
-                    <a:lnT w="12240">
-                      <a:noFill/>
+                    <a:lnT w="7200">
+                      <a:solidFill>
+                        <a:srgbClr val="000000"/>
+                      </a:solidFill>
                       <a:prstDash val="solid"/>
                     </a:lnT>
                     <a:lnB w="7200">
@@ -4583,9 +4575,8 @@
                     </a:p>
                   </a:txBody>
                   <a:tcPr anchor="t" marL="36000" marR="36000">
-                    <a:lnL w="12240">
+                    <a:lnL>
                       <a:noFill/>
-                      <a:prstDash val="solid"/>
                     </a:lnL>
                     <a:lnR w="7200">
                       <a:solidFill>
@@ -4809,9 +4800,8 @@
                     </a:p>
                   </a:txBody>
                   <a:tcPr anchor="t" marL="36000" marR="36000">
-                    <a:lnL w="12240">
+                    <a:lnL>
                       <a:noFill/>
-                      <a:prstDash val="solid"/>
                     </a:lnL>
                     <a:lnR w="7200">
                       <a:solidFill>
@@ -4982,7 +4972,7 @@
         <p:spPr>
           <a:xfrm>
             <a:off x="2088000" y="4413960"/>
-            <a:ext cx="719640" cy="246960"/>
+            <a:ext cx="719280" cy="246600"/>
           </a:xfrm>
           <a:prstGeom prst="rect">
             <a:avLst/>
@@ -5031,7 +5021,7 @@
         <p:spPr>
           <a:xfrm>
             <a:off x="2818800" y="4401000"/>
-            <a:ext cx="1645200" cy="358200"/>
+            <a:ext cx="1644840" cy="357840"/>
           </a:xfrm>
           <a:prstGeom prst="rect">
             <a:avLst/>
@@ -5063,6 +5053,7 @@
                   <a:srgbClr val="000000"/>
                 </a:solidFill>
                 <a:latin typeface="Roboto"/>
+                <a:ea typeface="DejaVu Sans"/>
               </a:rPr>
               <a:t>Window Frame 1</a:t>
             </a:r>
@@ -5084,7 +5075,7 @@
         <p:spPr>
           <a:xfrm>
             <a:off x="910800" y="4365000"/>
-            <a:ext cx="1140840" cy="358200"/>
+            <a:ext cx="1140480" cy="357840"/>
           </a:xfrm>
           <a:prstGeom prst="rect">
             <a:avLst/>
@@ -5116,6 +5107,7 @@
                   <a:srgbClr val="000000"/>
                 </a:solidFill>
                 <a:latin typeface="Roboto"/>
+                <a:ea typeface="DejaVu Sans"/>
               </a:rPr>
               <a:t>Legend:</a:t>
             </a:r>
@@ -5137,7 +5129,7 @@
         <p:spPr>
           <a:xfrm>
             <a:off x="4428000" y="4413960"/>
-            <a:ext cx="719640" cy="246960"/>
+            <a:ext cx="719280" cy="246600"/>
           </a:xfrm>
           <a:prstGeom prst="rect">
             <a:avLst/>
@@ -5186,7 +5178,7 @@
         <p:spPr>
           <a:xfrm>
             <a:off x="5158800" y="4401000"/>
-            <a:ext cx="1537200" cy="358200"/>
+            <a:ext cx="1536840" cy="357840"/>
           </a:xfrm>
           <a:prstGeom prst="rect">
             <a:avLst/>
@@ -5218,6 +5210,7 @@
                   <a:srgbClr val="000000"/>
                 </a:solidFill>
                 <a:latin typeface="Roboto"/>
+                <a:ea typeface="DejaVu Sans"/>
               </a:rPr>
               <a:t>Window Frame 2</a:t>
             </a:r>
@@ -5239,7 +5232,7 @@
         <p:spPr>
           <a:xfrm>
             <a:off x="6768000" y="4413960"/>
-            <a:ext cx="719640" cy="246960"/>
+            <a:ext cx="719280" cy="246600"/>
           </a:xfrm>
           <a:prstGeom prst="rect">
             <a:avLst/>
@@ -5288,7 +5281,7 @@
         <p:spPr>
           <a:xfrm>
             <a:off x="7498800" y="4365000"/>
-            <a:ext cx="1609200" cy="358200"/>
+            <a:ext cx="1608840" cy="357840"/>
           </a:xfrm>
           <a:prstGeom prst="rect">
             <a:avLst/>
@@ -5320,6 +5313,7 @@
                   <a:srgbClr val="000000"/>
                 </a:solidFill>
                 <a:latin typeface="Roboto"/>
+                <a:ea typeface="DejaVu Sans"/>
               </a:rPr>
               <a:t>Window Frame 3</a:t>
             </a:r>

--- a/Figures/PowerPoint/window-spec1.pptx
+++ b/Figures/PowerPoint/window-spec1.pptx
@@ -63,7 +63,7 @@
         <p:txBody>
           <a:bodyPr/>
           <a:p>
-            <a:fld id="{F4390361-F039-4699-A631-40CA8EEFA871}" type="slidenum">
+            <a:fld id="{CD0F20C6-CF8C-496F-AFB3-CA18B239D2E7}" type="slidenum">
               <a:t>&lt;#&gt;</a:t>
             </a:fld>
           </a:p>
@@ -272,7 +272,7 @@
         <p:txBody>
           <a:bodyPr/>
           <a:p>
-            <a:fld id="{C36100D1-CD98-4F0B-ABC7-0760E9C6D0F3}" type="slidenum">
+            <a:fld id="{39DD8D11-91F6-44E6-A3FC-5C173A77E18A}" type="slidenum">
               <a:t>&lt;#&gt;</a:t>
             </a:fld>
           </a:p>
@@ -567,7 +567,7 @@
         <p:txBody>
           <a:bodyPr/>
           <a:p>
-            <a:fld id="{61F9B76A-3F9F-4161-BE59-6134AD8FA70B}" type="slidenum">
+            <a:fld id="{CB6E191C-E91A-42CD-9FDA-DA18539AFA10}" type="slidenum">
               <a:t>&lt;#&gt;</a:t>
             </a:fld>
           </a:p>
@@ -948,7 +948,7 @@
         <p:txBody>
           <a:bodyPr/>
           <a:p>
-            <a:fld id="{F8026A02-567C-4820-87C4-B6C3BDFD90ED}" type="slidenum">
+            <a:fld id="{8B2B574D-9114-4BF3-9450-D2613C21DE5F}" type="slidenum">
               <a:t>&lt;#&gt;</a:t>
             </a:fld>
           </a:p>
@@ -1111,7 +1111,7 @@
         <p:txBody>
           <a:bodyPr/>
           <a:p>
-            <a:fld id="{C735222A-C1F9-424D-AA80-50284F9758A7}" type="slidenum">
+            <a:fld id="{CF3B7C94-26E0-468C-A914-90EECC03D86C}" type="slidenum">
               <a:t>&lt;#&gt;</a:t>
             </a:fld>
           </a:p>
@@ -1277,7 +1277,7 @@
         <p:txBody>
           <a:bodyPr/>
           <a:p>
-            <a:fld id="{D814D0A1-2C0E-4D8E-A28A-BAE20F9E8276}" type="slidenum">
+            <a:fld id="{7A20F98D-2B0B-4A8F-8D11-21701613C003}" type="slidenum">
               <a:t>&lt;#&gt;</a:t>
             </a:fld>
           </a:p>
@@ -1486,7 +1486,7 @@
         <p:txBody>
           <a:bodyPr/>
           <a:p>
-            <a:fld id="{748A9D5A-676B-4E0C-BBB1-874B3F75912E}" type="slidenum">
+            <a:fld id="{CC9DEE54-C420-43D3-9CC8-8B10D2239887}" type="slidenum">
               <a:t>&lt;#&gt;</a:t>
             </a:fld>
           </a:p>
@@ -1609,7 +1609,7 @@
         <p:txBody>
           <a:bodyPr/>
           <a:p>
-            <a:fld id="{6868E15E-4A98-4080-B99D-B30782593E91}" type="slidenum">
+            <a:fld id="{34D39872-EC8E-4830-9301-7781469DE153}" type="slidenum">
               <a:t>&lt;#&gt;</a:t>
             </a:fld>
           </a:p>
@@ -1730,7 +1730,7 @@
         <p:txBody>
           <a:bodyPr/>
           <a:p>
-            <a:fld id="{2356077A-7402-4487-8754-67A9193C2904}" type="slidenum">
+            <a:fld id="{376811D8-ED5C-486B-BBE6-6F19B69D9EDC}" type="slidenum">
               <a:t>&lt;#&gt;</a:t>
             </a:fld>
           </a:p>
@@ -1982,7 +1982,7 @@
         <p:txBody>
           <a:bodyPr/>
           <a:p>
-            <a:fld id="{E57280CB-FF3C-403D-83E1-F7A305749011}" type="slidenum">
+            <a:fld id="{9E624B2F-9F65-4321-93B7-ACF6F5729939}" type="slidenum">
               <a:t>&lt;#&gt;</a:t>
             </a:fld>
           </a:p>
@@ -2234,7 +2234,7 @@
         <p:txBody>
           <a:bodyPr/>
           <a:p>
-            <a:fld id="{0690510C-72BA-4DC0-BD38-6B2E72AD27F0}" type="slidenum">
+            <a:fld id="{0CB5DC08-A2E9-44E1-B15A-08DF9D335F73}" type="slidenum">
               <a:t>&lt;#&gt;</a:t>
             </a:fld>
           </a:p>
@@ -2486,7 +2486,7 @@
         <p:txBody>
           <a:bodyPr/>
           <a:p>
-            <a:fld id="{7D8A7913-4E84-460E-AB6A-9D9478A71896}" type="slidenum">
+            <a:fld id="{270F3D89-3CA9-4DF6-833E-FC1F42B62CAC}" type="slidenum">
               <a:t>&lt;#&gt;</a:t>
             </a:fld>
           </a:p>
@@ -2548,7 +2548,7 @@
         <p:spPr>
           <a:xfrm>
             <a:off x="3447360" y="5165280"/>
-            <a:ext cx="3193560" cy="389160"/>
+            <a:ext cx="3193200" cy="388800"/>
           </a:xfrm>
           <a:prstGeom prst="rect">
             <a:avLst/>
@@ -2620,7 +2620,7 @@
         <p:spPr>
           <a:xfrm>
             <a:off x="7227360" y="5165280"/>
-            <a:ext cx="2346840" cy="389160"/>
+            <a:ext cx="2346480" cy="388800"/>
           </a:xfrm>
           <a:prstGeom prst="rect">
             <a:avLst/>
@@ -2661,7 +2661,7 @@
                 <a:tab algn="l" pos="0"/>
               </a:tabLst>
             </a:pPr>
-            <a:fld id="{CF50C33B-7F1F-4290-A87C-A537957B597B}" type="slidenum">
+            <a:fld id="{E26BE6D2-6E3B-46A9-A440-CCDB5CA37002}" type="slidenum">
               <a:rPr b="0" lang="pt-BR" sz="1400" spc="-1" strike="noStrike">
                 <a:solidFill>
                   <a:srgbClr val="000000"/>
@@ -2692,7 +2692,7 @@
         <p:spPr>
           <a:xfrm>
             <a:off x="504000" y="5165280"/>
-            <a:ext cx="2346840" cy="389160"/>
+            <a:ext cx="2346480" cy="388800"/>
           </a:xfrm>
           <a:prstGeom prst="rect">
             <a:avLst/>
@@ -3902,11 +3902,8 @@
                       </a:solidFill>
                       <a:prstDash val="solid"/>
                     </a:lnT>
-                    <a:lnB w="7200">
-                      <a:solidFill>
-                        <a:srgbClr val="000000"/>
-                      </a:solidFill>
-                      <a:prstDash val="solid"/>
+                    <a:lnB>
+                      <a:noFill/>
                     </a:lnB>
                     <a:solidFill>
                       <a:srgbClr val="ffff00"/>
@@ -3946,11 +3943,8 @@
                       </a:solidFill>
                       <a:prstDash val="solid"/>
                     </a:lnT>
-                    <a:lnB w="7200">
-                      <a:solidFill>
-                        <a:srgbClr val="000000"/>
-                      </a:solidFill>
-                      <a:prstDash val="solid"/>
+                    <a:lnB>
+                      <a:noFill/>
                     </a:lnB>
                     <a:solidFill>
                       <a:srgbClr val="ffff00"/>
@@ -3990,11 +3984,8 @@
                       </a:solidFill>
                       <a:prstDash val="solid"/>
                     </a:lnT>
-                    <a:lnB w="7200">
-                      <a:solidFill>
-                        <a:srgbClr val="000000"/>
-                      </a:solidFill>
-                      <a:prstDash val="solid"/>
+                    <a:lnB>
+                      <a:noFill/>
                     </a:lnB>
                     <a:solidFill>
                       <a:srgbClr val="ffff00"/>
@@ -4034,11 +4025,8 @@
                       </a:solidFill>
                       <a:prstDash val="solid"/>
                     </a:lnT>
-                    <a:lnB w="7200">
-                      <a:solidFill>
-                        <a:srgbClr val="000000"/>
-                      </a:solidFill>
-                      <a:prstDash val="solid"/>
+                    <a:lnB>
+                      <a:noFill/>
                     </a:lnB>
                     <a:solidFill>
                       <a:srgbClr val="ffff00"/>
@@ -4082,55 +4070,13 @@
                       </a:solidFill>
                       <a:prstDash val="solid"/>
                     </a:lnL>
-                    <a:lnR w="7200">
-                      <a:solidFill>
-                        <a:srgbClr val="000000"/>
-                      </a:solidFill>
-                      <a:prstDash val="solid"/>
+                    <a:lnR>
+                      <a:noFill/>
                     </a:lnR>
                     <a:lnT w="7200">
                       <a:solidFill>
                         <a:srgbClr val="000000"/>
                       </a:solidFill>
-                      <a:prstDash val="solid"/>
-                    </a:lnT>
-                    <a:lnB w="7200">
-                      <a:solidFill>
-                        <a:srgbClr val="000000"/>
-                      </a:solidFill>
-                      <a:prstDash val="solid"/>
-                    </a:lnB>
-                    <a:solidFill>
-                      <a:srgbClr val="ff8000"/>
-                    </a:solidFill>
-                  </a:tcPr>
-                </a:tc>
-                <a:tc>
-                  <a:txBody>
-                    <a:bodyPr lIns="36000" rIns="36000" anchor="t">
-                      <a:noAutofit/>
-                    </a:bodyPr>
-                    <a:p>
-                      <a:endParaRPr b="0" lang="pt-BR" sz="1800" spc="-1" strike="noStrike">
-                        <a:solidFill>
-                          <a:srgbClr val="000000"/>
-                        </a:solidFill>
-                        <a:latin typeface="Roboto"/>
-                      </a:endParaRPr>
-                    </a:p>
-                  </a:txBody>
-                  <a:tcPr anchor="t" marL="36000" marR="36000">
-                    <a:lnL>
-                      <a:noFill/>
-                    </a:lnL>
-                    <a:lnR w="7200">
-                      <a:solidFill>
-                        <a:srgbClr val="000000"/>
-                      </a:solidFill>
-                      <a:prstDash val="solid"/>
-                    </a:lnR>
-                    <a:lnT w="12240">
-                      <a:noFill/>
                       <a:prstDash val="solid"/>
                     </a:lnT>
                     <a:lnB w="7200">
@@ -4171,8 +4117,10 @@
                       </a:solidFill>
                       <a:prstDash val="solid"/>
                     </a:lnR>
-                    <a:lnT w="12240">
-                      <a:noFill/>
+                    <a:lnT w="7200">
+                      <a:solidFill>
+                        <a:srgbClr val="000000"/>
+                      </a:solidFill>
                       <a:prstDash val="solid"/>
                     </a:lnT>
                     <a:lnB w="7200">
@@ -4213,8 +4161,10 @@
                       </a:solidFill>
                       <a:prstDash val="solid"/>
                     </a:lnR>
-                    <a:lnT w="12240">
-                      <a:noFill/>
+                    <a:lnT w="7200">
+                      <a:solidFill>
+                        <a:srgbClr val="000000"/>
+                      </a:solidFill>
                       <a:prstDash val="solid"/>
                     </a:lnT>
                     <a:lnB w="7200">
@@ -4255,8 +4205,54 @@
                       </a:solidFill>
                       <a:prstDash val="solid"/>
                     </a:lnR>
-                    <a:lnT w="12240">
-                      <a:noFill/>
+                    <a:lnT w="7200">
+                      <a:solidFill>
+                        <a:srgbClr val="000000"/>
+                      </a:solidFill>
+                      <a:prstDash val="solid"/>
+                    </a:lnT>
+                    <a:lnB w="7200">
+                      <a:solidFill>
+                        <a:srgbClr val="000000"/>
+                      </a:solidFill>
+                      <a:prstDash val="solid"/>
+                    </a:lnB>
+                    <a:solidFill>
+                      <a:srgbClr val="ff8000"/>
+                    </a:solidFill>
+                  </a:tcPr>
+                </a:tc>
+                <a:tc>
+                  <a:txBody>
+                    <a:bodyPr lIns="36000" rIns="36000" anchor="t">
+                      <a:noAutofit/>
+                    </a:bodyPr>
+                    <a:p>
+                      <a:endParaRPr b="0" lang="pt-BR" sz="1800" spc="-1" strike="noStrike">
+                        <a:solidFill>
+                          <a:srgbClr val="000000"/>
+                        </a:solidFill>
+                        <a:latin typeface="Roboto"/>
+                      </a:endParaRPr>
+                    </a:p>
+                  </a:txBody>
+                  <a:tcPr anchor="t" marL="36000" marR="36000">
+                    <a:lnL w="7200">
+                      <a:solidFill>
+                        <a:srgbClr val="000000"/>
+                      </a:solidFill>
+                      <a:prstDash val="solid"/>
+                    </a:lnL>
+                    <a:lnR w="7200">
+                      <a:solidFill>
+                        <a:srgbClr val="000000"/>
+                      </a:solidFill>
+                      <a:prstDash val="solid"/>
+                    </a:lnR>
+                    <a:lnT w="7200">
+                      <a:solidFill>
+                        <a:srgbClr val="000000"/>
+                      </a:solidFill>
                       <a:prstDash val="solid"/>
                     </a:lnT>
                     <a:lnB w="7200">
@@ -4307,11 +4303,8 @@
                       </a:solidFill>
                       <a:prstDash val="solid"/>
                     </a:lnL>
-                    <a:lnR w="7200">
-                      <a:solidFill>
-                        <a:srgbClr val="000000"/>
-                      </a:solidFill>
-                      <a:prstDash val="solid"/>
+                    <a:lnR>
+                      <a:noFill/>
                     </a:lnR>
                     <a:lnT w="7200">
                       <a:solidFill>
@@ -4342,8 +4335,11 @@
                     </a:p>
                   </a:txBody>
                   <a:tcPr anchor="t" marL="36000" marR="36000">
-                    <a:lnL>
-                      <a:noFill/>
+                    <a:lnL w="7200">
+                      <a:solidFill>
+                        <a:srgbClr val="000000"/>
+                      </a:solidFill>
+                      <a:prstDash val="solid"/>
                     </a:lnL>
                     <a:lnR w="7200">
                       <a:solidFill>
@@ -4584,9 +4580,8 @@
                       </a:solidFill>
                       <a:prstDash val="solid"/>
                     </a:lnR>
-                    <a:lnT w="12240">
+                    <a:lnT>
                       <a:noFill/>
-                      <a:prstDash val="solid"/>
                     </a:lnT>
                     <a:lnB w="7200">
                       <a:solidFill>
@@ -4626,9 +4621,8 @@
                       </a:solidFill>
                       <a:prstDash val="solid"/>
                     </a:lnR>
-                    <a:lnT w="12240">
+                    <a:lnT>
                       <a:noFill/>
-                      <a:prstDash val="solid"/>
                     </a:lnT>
                     <a:lnB w="7200">
                       <a:solidFill>
@@ -4668,9 +4662,8 @@
                       </a:solidFill>
                       <a:prstDash val="solid"/>
                     </a:lnR>
-                    <a:lnT w="12240">
+                    <a:lnT>
                       <a:noFill/>
-                      <a:prstDash val="solid"/>
                     </a:lnT>
                     <a:lnB w="7200">
                       <a:solidFill>
@@ -4710,9 +4703,8 @@
                       </a:solidFill>
                       <a:prstDash val="solid"/>
                     </a:lnR>
-                    <a:lnT w="12240">
+                    <a:lnT>
                       <a:noFill/>
-                      <a:prstDash val="solid"/>
                     </a:lnT>
                     <a:lnB w="7200">
                       <a:solidFill>
@@ -4971,8 +4963,8 @@
         </p:nvSpPr>
         <p:spPr>
           <a:xfrm>
-            <a:off x="2088000" y="4413960"/>
-            <a:ext cx="719280" cy="246600"/>
+            <a:off x="2700000" y="4413960"/>
+            <a:ext cx="718920" cy="246240"/>
           </a:xfrm>
           <a:prstGeom prst="rect">
             <a:avLst/>
@@ -5020,8 +5012,8 @@
         </p:nvSpPr>
         <p:spPr>
           <a:xfrm>
-            <a:off x="2818800" y="4401000"/>
-            <a:ext cx="1644840" cy="357840"/>
+            <a:off x="3430800" y="4401000"/>
+            <a:ext cx="1141200" cy="357480"/>
           </a:xfrm>
           <a:prstGeom prst="rect">
             <a:avLst/>
@@ -5055,7 +5047,7 @@
                 <a:latin typeface="Roboto"/>
                 <a:ea typeface="DejaVu Sans"/>
               </a:rPr>
-              <a:t>Window Frame 1</a:t>
+              <a:t>Window 1</a:t>
             </a:r>
             <a:endParaRPr b="0" lang="pt-BR" sz="1400" spc="-1" strike="noStrike">
               <a:solidFill>
@@ -5074,8 +5066,8 @@
         </p:nvSpPr>
         <p:spPr>
           <a:xfrm>
-            <a:off x="910800" y="4365000"/>
-            <a:ext cx="1140480" cy="357840"/>
+            <a:off x="1522800" y="4365000"/>
+            <a:ext cx="1140120" cy="357480"/>
           </a:xfrm>
           <a:prstGeom prst="rect">
             <a:avLst/>
@@ -5128,8 +5120,8 @@
         </p:nvSpPr>
         <p:spPr>
           <a:xfrm>
-            <a:off x="4428000" y="4413960"/>
-            <a:ext cx="719280" cy="246600"/>
+            <a:off x="4572000" y="4413960"/>
+            <a:ext cx="718920" cy="246240"/>
           </a:xfrm>
           <a:prstGeom prst="rect">
             <a:avLst/>
@@ -5177,8 +5169,8 @@
         </p:nvSpPr>
         <p:spPr>
           <a:xfrm>
-            <a:off x="5158800" y="4401000"/>
-            <a:ext cx="1536840" cy="357840"/>
+            <a:off x="5302800" y="4401000"/>
+            <a:ext cx="1141200" cy="357480"/>
           </a:xfrm>
           <a:prstGeom prst="rect">
             <a:avLst/>
@@ -5212,7 +5204,7 @@
                 <a:latin typeface="Roboto"/>
                 <a:ea typeface="DejaVu Sans"/>
               </a:rPr>
-              <a:t>Window Frame 2</a:t>
+              <a:t>Window 2</a:t>
             </a:r>
             <a:endParaRPr b="0" lang="pt-BR" sz="1400" spc="-1" strike="noStrike">
               <a:solidFill>
@@ -5231,8 +5223,8 @@
         </p:nvSpPr>
         <p:spPr>
           <a:xfrm>
-            <a:off x="6768000" y="4413960"/>
-            <a:ext cx="719280" cy="246600"/>
+            <a:off x="6408000" y="4413960"/>
+            <a:ext cx="718920" cy="246240"/>
           </a:xfrm>
           <a:prstGeom prst="rect">
             <a:avLst/>
@@ -5280,8 +5272,8 @@
         </p:nvSpPr>
         <p:spPr>
           <a:xfrm>
-            <a:off x="7498800" y="4365000"/>
-            <a:ext cx="1608840" cy="357840"/>
+            <a:off x="7138800" y="4365000"/>
+            <a:ext cx="1141200" cy="357480"/>
           </a:xfrm>
           <a:prstGeom prst="rect">
             <a:avLst/>
@@ -5315,7 +5307,7 @@
                 <a:latin typeface="Roboto"/>
                 <a:ea typeface="DejaVu Sans"/>
               </a:rPr>
-              <a:t>Window Frame 3</a:t>
+              <a:t>Window 3</a:t>
             </a:r>
             <a:endParaRPr b="0" lang="pt-BR" sz="1400" spc="-1" strike="noStrike">
               <a:solidFill>
